--- a/paper/flowchart2.pptx
+++ b/paper/flowchart2.pptx
@@ -288,7 +288,7 @@
           <a:p>
             <a:fld id="{DA41BDCB-2A00-4E4C-9B8F-E0DCA07B5D06}" type="datetimeFigureOut">
               <a:rPr lang="en-US" smtClean="0"/>
-              <a:t>5/12/14</a:t>
+              <a:t>5/12/2014</a:t>
             </a:fld>
             <a:endParaRPr lang="en-US"/>
           </a:p>
@@ -458,7 +458,7 @@
           <a:p>
             <a:fld id="{DA41BDCB-2A00-4E4C-9B8F-E0DCA07B5D06}" type="datetimeFigureOut">
               <a:rPr lang="en-US" smtClean="0"/>
-              <a:t>5/12/14</a:t>
+              <a:t>5/12/2014</a:t>
             </a:fld>
             <a:endParaRPr lang="en-US"/>
           </a:p>
@@ -638,7 +638,7 @@
           <a:p>
             <a:fld id="{DA41BDCB-2A00-4E4C-9B8F-E0DCA07B5D06}" type="datetimeFigureOut">
               <a:rPr lang="en-US" smtClean="0"/>
-              <a:t>5/12/14</a:t>
+              <a:t>5/12/2014</a:t>
             </a:fld>
             <a:endParaRPr lang="en-US"/>
           </a:p>
@@ -808,7 +808,7 @@
           <a:p>
             <a:fld id="{DA41BDCB-2A00-4E4C-9B8F-E0DCA07B5D06}" type="datetimeFigureOut">
               <a:rPr lang="en-US" smtClean="0"/>
-              <a:t>5/12/14</a:t>
+              <a:t>5/12/2014</a:t>
             </a:fld>
             <a:endParaRPr lang="en-US"/>
           </a:p>
@@ -1054,7 +1054,7 @@
           <a:p>
             <a:fld id="{DA41BDCB-2A00-4E4C-9B8F-E0DCA07B5D06}" type="datetimeFigureOut">
               <a:rPr lang="en-US" smtClean="0"/>
-              <a:t>5/12/14</a:t>
+              <a:t>5/12/2014</a:t>
             </a:fld>
             <a:endParaRPr lang="en-US"/>
           </a:p>
@@ -1342,7 +1342,7 @@
           <a:p>
             <a:fld id="{DA41BDCB-2A00-4E4C-9B8F-E0DCA07B5D06}" type="datetimeFigureOut">
               <a:rPr lang="en-US" smtClean="0"/>
-              <a:t>5/12/14</a:t>
+              <a:t>5/12/2014</a:t>
             </a:fld>
             <a:endParaRPr lang="en-US"/>
           </a:p>
@@ -1764,7 +1764,7 @@
           <a:p>
             <a:fld id="{DA41BDCB-2A00-4E4C-9B8F-E0DCA07B5D06}" type="datetimeFigureOut">
               <a:rPr lang="en-US" smtClean="0"/>
-              <a:t>5/12/14</a:t>
+              <a:t>5/12/2014</a:t>
             </a:fld>
             <a:endParaRPr lang="en-US"/>
           </a:p>
@@ -1882,7 +1882,7 @@
           <a:p>
             <a:fld id="{DA41BDCB-2A00-4E4C-9B8F-E0DCA07B5D06}" type="datetimeFigureOut">
               <a:rPr lang="en-US" smtClean="0"/>
-              <a:t>5/12/14</a:t>
+              <a:t>5/12/2014</a:t>
             </a:fld>
             <a:endParaRPr lang="en-US"/>
           </a:p>
@@ -1977,7 +1977,7 @@
           <a:p>
             <a:fld id="{DA41BDCB-2A00-4E4C-9B8F-E0DCA07B5D06}" type="datetimeFigureOut">
               <a:rPr lang="en-US" smtClean="0"/>
-              <a:t>5/12/14</a:t>
+              <a:t>5/12/2014</a:t>
             </a:fld>
             <a:endParaRPr lang="en-US"/>
           </a:p>
@@ -2254,7 +2254,7 @@
           <a:p>
             <a:fld id="{DA41BDCB-2A00-4E4C-9B8F-E0DCA07B5D06}" type="datetimeFigureOut">
               <a:rPr lang="en-US" smtClean="0"/>
-              <a:t>5/12/14</a:t>
+              <a:t>5/12/2014</a:t>
             </a:fld>
             <a:endParaRPr lang="en-US"/>
           </a:p>
@@ -2507,7 +2507,7 @@
           <a:p>
             <a:fld id="{DA41BDCB-2A00-4E4C-9B8F-E0DCA07B5D06}" type="datetimeFigureOut">
               <a:rPr lang="en-US" smtClean="0"/>
-              <a:t>5/12/14</a:t>
+              <a:t>5/12/2014</a:t>
             </a:fld>
             <a:endParaRPr lang="en-US"/>
           </a:p>
@@ -2720,7 +2720,7 @@
           <a:p>
             <a:fld id="{DA41BDCB-2A00-4E4C-9B8F-E0DCA07B5D06}" type="datetimeFigureOut">
               <a:rPr lang="en-US" smtClean="0"/>
-              <a:t>5/12/14</a:t>
+              <a:t>5/12/2014</a:t>
             </a:fld>
             <a:endParaRPr lang="en-US"/>
           </a:p>
@@ -3103,8 +3103,8 @@
         </p:nvSpPr>
         <p:spPr>
           <a:xfrm>
-            <a:off x="170496" y="2575943"/>
-            <a:ext cx="604819" cy="990690"/>
+            <a:off x="94594" y="2575943"/>
+            <a:ext cx="680722" cy="990690"/>
           </a:xfrm>
           <a:prstGeom prst="roundRect">
             <a:avLst/>
@@ -3130,10 +3130,10 @@
           <a:p>
             <a:pPr algn="ctr"/>
             <a:r>
-              <a:rPr lang="en-US" sz="1000" dirty="0" smtClean="0"/>
+              <a:rPr lang="en-US" sz="1200" dirty="0" smtClean="0"/>
               <a:t>Phone</a:t>
             </a:r>
-            <a:endParaRPr lang="en-US" sz="1000" dirty="0"/>
+            <a:endParaRPr lang="en-US" sz="1200" dirty="0"/>
           </a:p>
         </p:txBody>
       </p:sp>
@@ -3145,8 +3145,8 @@
         </p:nvSpPr>
         <p:spPr>
           <a:xfrm>
-            <a:off x="1310629" y="2688484"/>
-            <a:ext cx="1364675" cy="781883"/>
+            <a:off x="1165423" y="2688484"/>
+            <a:ext cx="1509881" cy="781883"/>
           </a:xfrm>
           <a:prstGeom prst="flowChartDecision">
             <a:avLst/>
@@ -3172,10 +3172,10 @@
           <a:p>
             <a:pPr algn="ctr"/>
             <a:r>
-              <a:rPr lang="en-US" sz="1000" dirty="0" smtClean="0"/>
+              <a:rPr lang="en-US" sz="1200" dirty="0" smtClean="0"/>
               <a:t>Feature Extractor</a:t>
             </a:r>
-            <a:endParaRPr lang="en-US" sz="1000" dirty="0"/>
+            <a:endParaRPr lang="en-US" sz="1200" dirty="0"/>
           </a:p>
         </p:txBody>
       </p:sp>
@@ -3187,8 +3187,8 @@
         </p:nvSpPr>
         <p:spPr>
           <a:xfrm>
-            <a:off x="3229282" y="2890286"/>
-            <a:ext cx="851232" cy="378279"/>
+            <a:off x="3179589" y="2890286"/>
+            <a:ext cx="900925" cy="378279"/>
           </a:xfrm>
           <a:prstGeom prst="roundRect">
             <a:avLst/>
@@ -3214,10 +3214,10 @@
           <a:p>
             <a:pPr algn="ctr"/>
             <a:r>
-              <a:rPr lang="en-US" sz="1000" dirty="0" smtClean="0"/>
+              <a:rPr lang="en-US" sz="1200" dirty="0" smtClean="0"/>
               <a:t>Keystrokes</a:t>
             </a:r>
-            <a:endParaRPr lang="en-US" sz="1000" dirty="0"/>
+            <a:endParaRPr lang="en-US" sz="1200" dirty="0"/>
           </a:p>
         </p:txBody>
       </p:sp>
@@ -3229,7 +3229,7 @@
         </p:nvSpPr>
         <p:spPr>
           <a:xfrm>
-            <a:off x="4783120" y="2029709"/>
+            <a:off x="4783119" y="2439732"/>
             <a:ext cx="824209" cy="459339"/>
           </a:xfrm>
           <a:prstGeom prst="roundRect">
@@ -3256,10 +3256,10 @@
           <a:p>
             <a:pPr algn="ctr"/>
             <a:r>
-              <a:rPr lang="en-US" sz="1000" dirty="0" smtClean="0"/>
+              <a:rPr lang="en-US" sz="1200" dirty="0" smtClean="0"/>
               <a:t>L/R Classifier</a:t>
             </a:r>
-            <a:endParaRPr lang="en-US" sz="1000" dirty="0"/>
+            <a:endParaRPr lang="en-US" sz="1200" dirty="0"/>
           </a:p>
         </p:txBody>
       </p:sp>
@@ -3271,7 +3271,7 @@
         </p:nvSpPr>
         <p:spPr>
           <a:xfrm>
-            <a:off x="4783120" y="3799023"/>
+            <a:off x="4783118" y="3347100"/>
             <a:ext cx="824209" cy="459339"/>
           </a:xfrm>
           <a:prstGeom prst="roundRect">
@@ -3298,14 +3298,14 @@
           <a:p>
             <a:pPr algn="ctr"/>
             <a:r>
-              <a:rPr lang="en-US" sz="1000" dirty="0"/>
+              <a:rPr lang="en-US" sz="1200" dirty="0"/>
               <a:t>U</a:t>
             </a:r>
             <a:r>
-              <a:rPr lang="en-US" sz="1000" dirty="0" smtClean="0"/>
+              <a:rPr lang="en-US" sz="1200" dirty="0" smtClean="0"/>
               <a:t>/R Classifier</a:t>
             </a:r>
-            <a:endParaRPr lang="en-US" sz="1000" dirty="0"/>
+            <a:endParaRPr lang="en-US" sz="1200" dirty="0"/>
           </a:p>
         </p:txBody>
       </p:sp>
@@ -3344,10 +3344,10 @@
           <a:p>
             <a:pPr algn="ctr"/>
             <a:r>
-              <a:rPr lang="en-US" sz="1000" dirty="0" smtClean="0"/>
+              <a:rPr lang="en-US" sz="1200" dirty="0" smtClean="0"/>
               <a:t>Word Profile</a:t>
             </a:r>
-            <a:endParaRPr lang="en-US" sz="1000" dirty="0"/>
+            <a:endParaRPr lang="en-US" sz="1200" dirty="0"/>
           </a:p>
         </p:txBody>
       </p:sp>
@@ -3386,10 +3386,10 @@
           <a:p>
             <a:pPr algn="ctr"/>
             <a:r>
-              <a:rPr lang="en-US" sz="1000" dirty="0" smtClean="0"/>
+              <a:rPr lang="en-US" sz="1200" dirty="0" smtClean="0"/>
               <a:t>Feature Matching</a:t>
             </a:r>
-            <a:endParaRPr lang="en-US" sz="1000" dirty="0"/>
+            <a:endParaRPr lang="en-US" sz="1200" dirty="0"/>
           </a:p>
         </p:txBody>
       </p:sp>
@@ -3401,8 +3401,8 @@
         </p:nvSpPr>
         <p:spPr>
           <a:xfrm>
-            <a:off x="6732568" y="3698211"/>
-            <a:ext cx="797186" cy="766278"/>
+            <a:off x="6732568" y="3580835"/>
+            <a:ext cx="937356" cy="883654"/>
           </a:xfrm>
           <a:prstGeom prst="flowChartMagneticDisk">
             <a:avLst/>
@@ -3428,17 +3428,17 @@
           <a:p>
             <a:pPr algn="ctr"/>
             <a:r>
-              <a:rPr lang="en-US" sz="1000" dirty="0" smtClean="0"/>
+              <a:rPr lang="en-US" sz="1200" dirty="0" smtClean="0"/>
               <a:t>Word</a:t>
             </a:r>
           </a:p>
           <a:p>
             <a:pPr algn="ctr"/>
             <a:r>
-              <a:rPr lang="en-US" sz="1000" dirty="0" smtClean="0"/>
+              <a:rPr lang="en-US" sz="1200" dirty="0" smtClean="0"/>
               <a:t>Dictionary</a:t>
             </a:r>
-            <a:endParaRPr lang="en-US" sz="1000" dirty="0"/>
+            <a:endParaRPr lang="en-US" sz="1200" dirty="0"/>
           </a:p>
         </p:txBody>
       </p:sp>
@@ -3453,8 +3453,8 @@
         </p:nvCxnSpPr>
         <p:spPr>
           <a:xfrm>
-            <a:off x="775315" y="3071288"/>
-            <a:ext cx="535314" cy="8138"/>
+            <a:off x="775316" y="3071288"/>
+            <a:ext cx="390107" cy="8138"/>
           </a:xfrm>
           <a:prstGeom prst="straightConnector1">
             <a:avLst/>
@@ -3490,7 +3490,7 @@
         <p:spPr>
           <a:xfrm>
             <a:off x="2675304" y="3079426"/>
-            <a:ext cx="553978" cy="0"/>
+            <a:ext cx="504285" cy="0"/>
           </a:xfrm>
           <a:prstGeom prst="straightConnector1">
             <a:avLst/>
@@ -3525,8 +3525,8 @@
         </p:nvCxnSpPr>
         <p:spPr>
           <a:xfrm flipV="1">
-            <a:off x="4080514" y="2259379"/>
-            <a:ext cx="702606" cy="820047"/>
+            <a:off x="4080514" y="2669402"/>
+            <a:ext cx="702605" cy="410024"/>
           </a:xfrm>
           <a:prstGeom prst="bentConnector3">
             <a:avLst/>
@@ -3562,7 +3562,7 @@
         <p:spPr>
           <a:xfrm>
             <a:off x="4080514" y="3079426"/>
-            <a:ext cx="702606" cy="949267"/>
+            <a:ext cx="702604" cy="497344"/>
           </a:xfrm>
           <a:prstGeom prst="bentConnector3">
             <a:avLst/>
@@ -3597,8 +3597,8 @@
         </p:nvCxnSpPr>
         <p:spPr>
           <a:xfrm>
-            <a:off x="5607329" y="2259379"/>
-            <a:ext cx="713133" cy="820047"/>
+            <a:off x="5607328" y="2669402"/>
+            <a:ext cx="713134" cy="410024"/>
           </a:xfrm>
           <a:prstGeom prst="bentConnector3">
             <a:avLst/>
@@ -3633,8 +3633,8 @@
         </p:nvCxnSpPr>
         <p:spPr>
           <a:xfrm flipV="1">
-            <a:off x="5607329" y="3079426"/>
-            <a:ext cx="713133" cy="949267"/>
+            <a:off x="5607327" y="3079426"/>
+            <a:ext cx="713135" cy="497344"/>
           </a:xfrm>
           <a:prstGeom prst="bentConnector3">
             <a:avLst/>
@@ -3705,8 +3705,8 @@
         </p:nvCxnSpPr>
         <p:spPr>
           <a:xfrm flipV="1">
-            <a:off x="7529754" y="3268565"/>
-            <a:ext cx="425617" cy="812785"/>
+            <a:off x="7669924" y="3268565"/>
+            <a:ext cx="285447" cy="754097"/>
           </a:xfrm>
           <a:prstGeom prst="bentConnector2">
             <a:avLst/>
@@ -3739,7 +3739,7 @@
         <p:spPr>
           <a:xfrm>
             <a:off x="170496" y="2215636"/>
-            <a:ext cx="535260" cy="246221"/>
+            <a:ext cx="607859" cy="276999"/>
           </a:xfrm>
           <a:prstGeom prst="rect">
             <a:avLst/>
@@ -3753,10 +3753,10 @@
           <a:lstStyle/>
           <a:p>
             <a:r>
-              <a:rPr lang="en-US" sz="1000" dirty="0" smtClean="0"/>
+              <a:rPr lang="en-US" sz="1200" dirty="0" smtClean="0"/>
               <a:t>“juice”</a:t>
             </a:r>
-            <a:endParaRPr lang="en-US" sz="1000" dirty="0"/>
+            <a:endParaRPr lang="en-US" sz="1200" dirty="0"/>
           </a:p>
         </p:txBody>
       </p:sp>
@@ -3769,7 +3769,7 @@
         <p:spPr>
           <a:xfrm>
             <a:off x="786826" y="2107914"/>
-            <a:ext cx="671979" cy="707886"/>
+            <a:ext cx="757195" cy="830997"/>
           </a:xfrm>
           <a:prstGeom prst="rect">
             <a:avLst/>
@@ -3783,28 +3783,28 @@
           <a:lstStyle/>
           <a:p>
             <a:r>
-              <a:rPr lang="en-US" sz="1000" dirty="0" smtClean="0"/>
+              <a:rPr lang="en-US" sz="1200" dirty="0" smtClean="0"/>
               <a:t>1=&lt;x,y,z&gt;</a:t>
             </a:r>
           </a:p>
           <a:p>
             <a:r>
-              <a:rPr lang="en-US" sz="1000" dirty="0" smtClean="0"/>
+              <a:rPr lang="en-US" sz="1200" dirty="0" smtClean="0"/>
               <a:t>2=&lt;x,y,z&gt;</a:t>
             </a:r>
           </a:p>
           <a:p>
             <a:r>
-              <a:rPr lang="en-US" sz="1000" dirty="0" smtClean="0"/>
+              <a:rPr lang="en-US" sz="1200" dirty="0" smtClean="0"/>
               <a:t>…</a:t>
             </a:r>
           </a:p>
           <a:p>
             <a:r>
-              <a:rPr lang="en-US" sz="1000" dirty="0" smtClean="0"/>
+              <a:rPr lang="en-US" sz="1200" dirty="0" smtClean="0"/>
               <a:t>5=&lt;x,y,z&gt;</a:t>
             </a:r>
-            <a:endParaRPr lang="en-US" sz="1000" dirty="0"/>
+            <a:endParaRPr lang="en-US" sz="1200" dirty="0"/>
           </a:p>
         </p:txBody>
       </p:sp>
@@ -3817,7 +3817,7 @@
         <p:spPr>
           <a:xfrm>
             <a:off x="2557303" y="2107914"/>
-            <a:ext cx="554985" cy="707886"/>
+            <a:ext cx="622286" cy="830997"/>
           </a:xfrm>
           <a:prstGeom prst="rect">
             <a:avLst/>
@@ -3831,28 +3831,28 @@
           <a:lstStyle/>
           <a:p>
             <a:r>
-              <a:rPr lang="en-US" sz="1000" dirty="0" smtClean="0"/>
+              <a:rPr lang="en-US" sz="1200" dirty="0" smtClean="0"/>
               <a:t>1=FV-1</a:t>
             </a:r>
           </a:p>
           <a:p>
             <a:r>
-              <a:rPr lang="en-US" sz="1000" dirty="0" smtClean="0"/>
+              <a:rPr lang="en-US" sz="1200" dirty="0" smtClean="0"/>
               <a:t>2=FV-2</a:t>
             </a:r>
           </a:p>
           <a:p>
             <a:r>
-              <a:rPr lang="en-US" sz="1000" dirty="0" smtClean="0"/>
+              <a:rPr lang="en-US" sz="1200" dirty="0" smtClean="0"/>
               <a:t>…</a:t>
             </a:r>
           </a:p>
           <a:p>
             <a:r>
-              <a:rPr lang="en-US" sz="1000" dirty="0" smtClean="0"/>
+              <a:rPr lang="en-US" sz="1200" dirty="0" smtClean="0"/>
               <a:t>5=FV-5</a:t>
             </a:r>
-            <a:endParaRPr lang="en-US" sz="1000" dirty="0"/>
+            <a:endParaRPr lang="en-US" sz="1200" dirty="0"/>
           </a:p>
         </p:txBody>
       </p:sp>
@@ -3864,8 +3864,8 @@
         </p:nvSpPr>
         <p:spPr>
           <a:xfrm>
-            <a:off x="3803021" y="1439119"/>
-            <a:ext cx="554985" cy="707886"/>
+            <a:off x="3803020" y="1753971"/>
+            <a:ext cx="622286" cy="830997"/>
           </a:xfrm>
           <a:prstGeom prst="rect">
             <a:avLst/>
@@ -3879,28 +3879,28 @@
           <a:lstStyle/>
           <a:p>
             <a:r>
-              <a:rPr lang="en-US" sz="1000" dirty="0" smtClean="0"/>
+              <a:rPr lang="en-US" sz="1200" dirty="0" smtClean="0"/>
               <a:t>1=FV-1</a:t>
             </a:r>
           </a:p>
           <a:p>
             <a:r>
-              <a:rPr lang="en-US" sz="1000" dirty="0" smtClean="0"/>
+              <a:rPr lang="en-US" sz="1200" dirty="0" smtClean="0"/>
               <a:t>2=FV-2</a:t>
             </a:r>
           </a:p>
           <a:p>
             <a:r>
-              <a:rPr lang="en-US" sz="1000" dirty="0" smtClean="0"/>
+              <a:rPr lang="en-US" sz="1200" dirty="0" smtClean="0"/>
               <a:t>…</a:t>
             </a:r>
           </a:p>
           <a:p>
             <a:r>
-              <a:rPr lang="en-US" sz="1000" dirty="0" smtClean="0"/>
+              <a:rPr lang="en-US" sz="1200" dirty="0" smtClean="0"/>
               <a:t>5=FV-5</a:t>
             </a:r>
-            <a:endParaRPr lang="en-US" sz="1000" dirty="0"/>
+            <a:endParaRPr lang="en-US" sz="1200" dirty="0"/>
           </a:p>
         </p:txBody>
       </p:sp>
@@ -3912,8 +3912,8 @@
         </p:nvSpPr>
         <p:spPr>
           <a:xfrm>
-            <a:off x="3803021" y="4081350"/>
-            <a:ext cx="554985" cy="707886"/>
+            <a:off x="3803021" y="3580835"/>
+            <a:ext cx="622286" cy="830997"/>
           </a:xfrm>
           <a:prstGeom prst="rect">
             <a:avLst/>
@@ -3927,28 +3927,28 @@
           <a:lstStyle/>
           <a:p>
             <a:r>
-              <a:rPr lang="en-US" sz="1000" dirty="0" smtClean="0"/>
+              <a:rPr lang="en-US" sz="1200" dirty="0" smtClean="0"/>
               <a:t>1=FV-1</a:t>
             </a:r>
           </a:p>
           <a:p>
             <a:r>
-              <a:rPr lang="en-US" sz="1000" dirty="0" smtClean="0"/>
+              <a:rPr lang="en-US" sz="1200" dirty="0" smtClean="0"/>
               <a:t>2=FV-2</a:t>
             </a:r>
           </a:p>
           <a:p>
             <a:r>
-              <a:rPr lang="en-US" sz="1000" dirty="0" smtClean="0"/>
+              <a:rPr lang="en-US" sz="1200" dirty="0" smtClean="0"/>
               <a:t>…</a:t>
             </a:r>
           </a:p>
           <a:p>
             <a:r>
-              <a:rPr lang="en-US" sz="1000" dirty="0" smtClean="0"/>
+              <a:rPr lang="en-US" sz="1200" dirty="0" smtClean="0"/>
               <a:t>5=FV-5</a:t>
             </a:r>
-            <a:endParaRPr lang="en-US" sz="1000" dirty="0"/>
+            <a:endParaRPr lang="en-US" sz="1200" dirty="0"/>
           </a:p>
         </p:txBody>
       </p:sp>
@@ -3960,8 +3960,8 @@
         </p:nvSpPr>
         <p:spPr>
           <a:xfrm>
-            <a:off x="6048930" y="1199973"/>
-            <a:ext cx="389850" cy="1015663"/>
+            <a:off x="6048930" y="1776371"/>
+            <a:ext cx="423514" cy="1200329"/>
           </a:xfrm>
           <a:prstGeom prst="rect">
             <a:avLst/>
@@ -3975,36 +3975,36 @@
           <a:lstStyle/>
           <a:p>
             <a:r>
-              <a:rPr lang="en-US" sz="1000" dirty="0" smtClean="0"/>
+              <a:rPr lang="en-US" sz="1200" dirty="0" smtClean="0"/>
               <a:t>1=R</a:t>
             </a:r>
           </a:p>
           <a:p>
             <a:r>
-              <a:rPr lang="en-US" sz="1000" dirty="0" smtClean="0"/>
+              <a:rPr lang="en-US" sz="1200" dirty="0" smtClean="0"/>
               <a:t>2=R</a:t>
             </a:r>
           </a:p>
           <a:p>
             <a:r>
-              <a:rPr lang="en-US" sz="1000" dirty="0" smtClean="0"/>
+              <a:rPr lang="en-US" sz="1200" dirty="0" smtClean="0"/>
               <a:t>3=R</a:t>
             </a:r>
           </a:p>
           <a:p>
             <a:r>
-              <a:rPr lang="en-US" sz="1000" dirty="0" smtClean="0"/>
+              <a:rPr lang="en-US" sz="1200" dirty="0" smtClean="0"/>
               <a:t>4=L</a:t>
             </a:r>
           </a:p>
           <a:p>
             <a:r>
-              <a:rPr lang="en-US" sz="1000" dirty="0" smtClean="0"/>
+              <a:rPr lang="en-US" sz="1200" dirty="0" smtClean="0"/>
               <a:t>5=L</a:t>
             </a:r>
           </a:p>
           <a:p>
-            <a:endParaRPr lang="en-US" sz="1000" dirty="0"/>
+            <a:endParaRPr lang="en-US" sz="1200" dirty="0"/>
           </a:p>
         </p:txBody>
       </p:sp>
@@ -4016,8 +4016,8 @@
         </p:nvSpPr>
         <p:spPr>
           <a:xfrm>
-            <a:off x="6042969" y="4133669"/>
-            <a:ext cx="395811" cy="1015663"/>
+            <a:off x="6017810" y="3580835"/>
+            <a:ext cx="439544" cy="1200329"/>
           </a:xfrm>
           <a:prstGeom prst="rect">
             <a:avLst/>
@@ -4031,36 +4031,36 @@
           <a:lstStyle/>
           <a:p>
             <a:r>
-              <a:rPr lang="en-US" sz="1000" dirty="0" smtClean="0"/>
+              <a:rPr lang="en-US" sz="1200" dirty="0" smtClean="0"/>
               <a:t>1=D</a:t>
             </a:r>
           </a:p>
           <a:p>
             <a:r>
-              <a:rPr lang="en-US" sz="1000" dirty="0" smtClean="0"/>
+              <a:rPr lang="en-US" sz="1200" dirty="0" smtClean="0"/>
               <a:t>2=U</a:t>
             </a:r>
           </a:p>
           <a:p>
             <a:r>
-              <a:rPr lang="en-US" sz="1000" dirty="0" smtClean="0"/>
+              <a:rPr lang="en-US" sz="1200" dirty="0" smtClean="0"/>
               <a:t>3=U</a:t>
             </a:r>
           </a:p>
           <a:p>
             <a:r>
-              <a:rPr lang="en-US" sz="1000" dirty="0" smtClean="0"/>
+              <a:rPr lang="en-US" sz="1200" dirty="0" smtClean="0"/>
               <a:t>4=D</a:t>
             </a:r>
           </a:p>
           <a:p>
             <a:r>
-              <a:rPr lang="en-US" sz="1000" dirty="0" smtClean="0"/>
+              <a:rPr lang="en-US" sz="1200" dirty="0" smtClean="0"/>
               <a:t>5=U</a:t>
             </a:r>
           </a:p>
           <a:p>
-            <a:endParaRPr lang="en-US" sz="1000" dirty="0"/>
+            <a:endParaRPr lang="en-US" sz="1200" dirty="0"/>
           </a:p>
         </p:txBody>
       </p:sp>
@@ -4073,7 +4073,7 @@
         <p:spPr>
           <a:xfrm>
             <a:off x="6732568" y="2461857"/>
-            <a:ext cx="1035510" cy="246221"/>
+            <a:ext cx="1188274" cy="276999"/>
           </a:xfrm>
           <a:prstGeom prst="rect">
             <a:avLst/>
@@ -4087,10 +4087,10 @@
           <a:lstStyle/>
           <a:p>
             <a:r>
-              <a:rPr lang="en-US" sz="1000" dirty="0" smtClean="0"/>
+              <a:rPr lang="en-US" sz="1200" dirty="0" smtClean="0"/>
               <a:t>RD.RU.RU.LD.LU</a:t>
             </a:r>
-            <a:endParaRPr lang="en-US" sz="1000" dirty="0"/>
+            <a:endParaRPr lang="en-US" sz="1200" dirty="0"/>
           </a:p>
         </p:txBody>
       </p:sp>
@@ -4103,7 +4103,7 @@
         <p:spPr>
           <a:xfrm>
             <a:off x="8497727" y="4288721"/>
-            <a:ext cx="537514" cy="246221"/>
+            <a:ext cx="607859" cy="276999"/>
           </a:xfrm>
           <a:prstGeom prst="rect">
             <a:avLst/>
@@ -4117,10 +4117,10 @@
           <a:lstStyle/>
           <a:p>
             <a:r>
-              <a:rPr lang="en-US" sz="1000" dirty="0" smtClean="0"/>
+              <a:rPr lang="en-US" sz="1200" dirty="0" smtClean="0"/>
               <a:t>“juice”</a:t>
             </a:r>
-            <a:endParaRPr lang="en-US" sz="1000" dirty="0"/>
+            <a:endParaRPr lang="en-US" sz="1200" dirty="0"/>
           </a:p>
         </p:txBody>
       </p:sp>
@@ -4136,7 +4136,7 @@
         <p:spPr>
           <a:xfrm>
             <a:off x="8380987" y="3079426"/>
-            <a:ext cx="385497" cy="1209295"/>
+            <a:ext cx="420670" cy="1209295"/>
           </a:xfrm>
           <a:prstGeom prst="bentConnector2">
             <a:avLst/>

--- a/paper/flowchart2.pptx
+++ b/paper/flowchart2.pptx
@@ -288,7 +288,7 @@
           <a:p>
             <a:fld id="{DA41BDCB-2A00-4E4C-9B8F-E0DCA07B5D06}" type="datetimeFigureOut">
               <a:rPr lang="en-US" smtClean="0"/>
-              <a:t>5/12/2014</a:t>
+              <a:t>5/13/2014</a:t>
             </a:fld>
             <a:endParaRPr lang="en-US"/>
           </a:p>
@@ -458,7 +458,7 @@
           <a:p>
             <a:fld id="{DA41BDCB-2A00-4E4C-9B8F-E0DCA07B5D06}" type="datetimeFigureOut">
               <a:rPr lang="en-US" smtClean="0"/>
-              <a:t>5/12/2014</a:t>
+              <a:t>5/13/2014</a:t>
             </a:fld>
             <a:endParaRPr lang="en-US"/>
           </a:p>
@@ -638,7 +638,7 @@
           <a:p>
             <a:fld id="{DA41BDCB-2A00-4E4C-9B8F-E0DCA07B5D06}" type="datetimeFigureOut">
               <a:rPr lang="en-US" smtClean="0"/>
-              <a:t>5/12/2014</a:t>
+              <a:t>5/13/2014</a:t>
             </a:fld>
             <a:endParaRPr lang="en-US"/>
           </a:p>
@@ -808,7 +808,7 @@
           <a:p>
             <a:fld id="{DA41BDCB-2A00-4E4C-9B8F-E0DCA07B5D06}" type="datetimeFigureOut">
               <a:rPr lang="en-US" smtClean="0"/>
-              <a:t>5/12/2014</a:t>
+              <a:t>5/13/2014</a:t>
             </a:fld>
             <a:endParaRPr lang="en-US"/>
           </a:p>
@@ -1054,7 +1054,7 @@
           <a:p>
             <a:fld id="{DA41BDCB-2A00-4E4C-9B8F-E0DCA07B5D06}" type="datetimeFigureOut">
               <a:rPr lang="en-US" smtClean="0"/>
-              <a:t>5/12/2014</a:t>
+              <a:t>5/13/2014</a:t>
             </a:fld>
             <a:endParaRPr lang="en-US"/>
           </a:p>
@@ -1342,7 +1342,7 @@
           <a:p>
             <a:fld id="{DA41BDCB-2A00-4E4C-9B8F-E0DCA07B5D06}" type="datetimeFigureOut">
               <a:rPr lang="en-US" smtClean="0"/>
-              <a:t>5/12/2014</a:t>
+              <a:t>5/13/2014</a:t>
             </a:fld>
             <a:endParaRPr lang="en-US"/>
           </a:p>
@@ -1764,7 +1764,7 @@
           <a:p>
             <a:fld id="{DA41BDCB-2A00-4E4C-9B8F-E0DCA07B5D06}" type="datetimeFigureOut">
               <a:rPr lang="en-US" smtClean="0"/>
-              <a:t>5/12/2014</a:t>
+              <a:t>5/13/2014</a:t>
             </a:fld>
             <a:endParaRPr lang="en-US"/>
           </a:p>
@@ -1882,7 +1882,7 @@
           <a:p>
             <a:fld id="{DA41BDCB-2A00-4E4C-9B8F-E0DCA07B5D06}" type="datetimeFigureOut">
               <a:rPr lang="en-US" smtClean="0"/>
-              <a:t>5/12/2014</a:t>
+              <a:t>5/13/2014</a:t>
             </a:fld>
             <a:endParaRPr lang="en-US"/>
           </a:p>
@@ -1977,7 +1977,7 @@
           <a:p>
             <a:fld id="{DA41BDCB-2A00-4E4C-9B8F-E0DCA07B5D06}" type="datetimeFigureOut">
               <a:rPr lang="en-US" smtClean="0"/>
-              <a:t>5/12/2014</a:t>
+              <a:t>5/13/2014</a:t>
             </a:fld>
             <a:endParaRPr lang="en-US"/>
           </a:p>
@@ -2254,7 +2254,7 @@
           <a:p>
             <a:fld id="{DA41BDCB-2A00-4E4C-9B8F-E0DCA07B5D06}" type="datetimeFigureOut">
               <a:rPr lang="en-US" smtClean="0"/>
-              <a:t>5/12/2014</a:t>
+              <a:t>5/13/2014</a:t>
             </a:fld>
             <a:endParaRPr lang="en-US"/>
           </a:p>
@@ -2507,7 +2507,7 @@
           <a:p>
             <a:fld id="{DA41BDCB-2A00-4E4C-9B8F-E0DCA07B5D06}" type="datetimeFigureOut">
               <a:rPr lang="en-US" smtClean="0"/>
-              <a:t>5/12/2014</a:t>
+              <a:t>5/13/2014</a:t>
             </a:fld>
             <a:endParaRPr lang="en-US"/>
           </a:p>
@@ -2720,7 +2720,7 @@
           <a:p>
             <a:fld id="{DA41BDCB-2A00-4E4C-9B8F-E0DCA07B5D06}" type="datetimeFigureOut">
               <a:rPr lang="en-US" smtClean="0"/>
-              <a:t>5/12/2014</a:t>
+              <a:t>5/13/2014</a:t>
             </a:fld>
             <a:endParaRPr lang="en-US"/>
           </a:p>
@@ -3145,7 +3145,7 @@
         </p:nvSpPr>
         <p:spPr>
           <a:xfrm>
-            <a:off x="1165423" y="2688484"/>
+            <a:off x="2476037" y="2669402"/>
             <a:ext cx="1509881" cy="781883"/>
           </a:xfrm>
           <a:prstGeom prst="flowChartDecision">
@@ -3187,7 +3187,7 @@
         </p:nvSpPr>
         <p:spPr>
           <a:xfrm>
-            <a:off x="3179589" y="2890286"/>
+            <a:off x="1267902" y="2882148"/>
             <a:ext cx="900925" cy="378279"/>
           </a:xfrm>
           <a:prstGeom prst="roundRect">
@@ -3298,12 +3298,12 @@
           <a:p>
             <a:pPr algn="ctr"/>
             <a:r>
-              <a:rPr lang="en-US" sz="1200" dirty="0"/>
-              <a:t>U</a:t>
-            </a:r>
-            <a:r>
               <a:rPr lang="en-US" sz="1200" dirty="0" smtClean="0"/>
-              <a:t>/R Classifier</a:t>
+              <a:t>U/D </a:t>
+            </a:r>
+            <a:r>
+              <a:rPr lang="en-US" sz="1200" dirty="0" smtClean="0"/>
+              <a:t>Classifier</a:t>
             </a:r>
             <a:endParaRPr lang="en-US" sz="1200" dirty="0"/>
           </a:p>
@@ -3447,14 +3447,14 @@
           <p:cNvPr id="13" name="Straight Arrow Connector 12"/>
           <p:cNvCxnSpPr>
             <a:stCxn id="4" idx="3"/>
-            <a:endCxn id="5" idx="1"/>
+            <a:endCxn id="6" idx="1"/>
           </p:cNvCxnSpPr>
           <p:nvPr/>
         </p:nvCxnSpPr>
         <p:spPr>
           <a:xfrm>
             <a:off x="775316" y="3071288"/>
-            <a:ext cx="390107" cy="8138"/>
+            <a:ext cx="492586" cy="0"/>
           </a:xfrm>
           <a:prstGeom prst="straightConnector1">
             <a:avLst/>
@@ -3482,15 +3482,15 @@
         <p:nvCxnSpPr>
           <p:cNvPr id="15" name="Straight Arrow Connector 14"/>
           <p:cNvCxnSpPr>
-            <a:stCxn id="5" idx="3"/>
-            <a:endCxn id="6" idx="1"/>
+            <a:stCxn id="6" idx="3"/>
+            <a:endCxn id="5" idx="1"/>
           </p:cNvCxnSpPr>
           <p:nvPr/>
         </p:nvCxnSpPr>
         <p:spPr>
-          <a:xfrm>
-            <a:off x="2675304" y="3079426"/>
-            <a:ext cx="504285" cy="0"/>
+          <a:xfrm flipV="1">
+            <a:off x="2168827" y="3060344"/>
+            <a:ext cx="307210" cy="10944"/>
           </a:xfrm>
           <a:prstGeom prst="straightConnector1">
             <a:avLst/>
@@ -3518,15 +3518,15 @@
         <p:nvCxnSpPr>
           <p:cNvPr id="18" name="Elbow Connector 17"/>
           <p:cNvCxnSpPr>
-            <a:stCxn id="6" idx="3"/>
+            <a:stCxn id="5" idx="3"/>
             <a:endCxn id="7" idx="1"/>
           </p:cNvCxnSpPr>
           <p:nvPr/>
         </p:nvCxnSpPr>
         <p:spPr>
           <a:xfrm flipV="1">
-            <a:off x="4080514" y="2669402"/>
-            <a:ext cx="702605" cy="410024"/>
+            <a:off x="3985918" y="2669402"/>
+            <a:ext cx="797201" cy="390942"/>
           </a:xfrm>
           <a:prstGeom prst="bentConnector3">
             <a:avLst/>
@@ -3554,15 +3554,15 @@
         <p:nvCxnSpPr>
           <p:cNvPr id="20" name="Elbow Connector 19"/>
           <p:cNvCxnSpPr>
-            <a:stCxn id="6" idx="3"/>
+            <a:stCxn id="5" idx="3"/>
             <a:endCxn id="8" idx="1"/>
           </p:cNvCxnSpPr>
           <p:nvPr/>
         </p:nvCxnSpPr>
         <p:spPr>
           <a:xfrm>
-            <a:off x="4080514" y="3079426"/>
-            <a:ext cx="702604" cy="497344"/>
+            <a:off x="3985918" y="3060344"/>
+            <a:ext cx="797200" cy="516426"/>
           </a:xfrm>
           <a:prstGeom prst="bentConnector3">
             <a:avLst/>
@@ -3768,7 +3768,7 @@
         </p:nvSpPr>
         <p:spPr>
           <a:xfrm>
-            <a:off x="786826" y="2107914"/>
+            <a:off x="786826" y="2084265"/>
             <a:ext cx="757195" cy="830997"/>
           </a:xfrm>
           <a:prstGeom prst="rect">
@@ -3803,54 +3803,6 @@
             <a:r>
               <a:rPr lang="en-US" sz="1200" dirty="0" smtClean="0"/>
               <a:t>5=&lt;x,y,z&gt;</a:t>
-            </a:r>
-            <a:endParaRPr lang="en-US" sz="1200" dirty="0"/>
-          </a:p>
-        </p:txBody>
-      </p:sp>
-      <p:sp>
-        <p:nvSpPr>
-          <p:cNvPr id="53" name="TextBox 52"/>
-          <p:cNvSpPr txBox="1"/>
-          <p:nvPr/>
-        </p:nvSpPr>
-        <p:spPr>
-          <a:xfrm>
-            <a:off x="2557303" y="2107914"/>
-            <a:ext cx="622286" cy="830997"/>
-          </a:xfrm>
-          <a:prstGeom prst="rect">
-            <a:avLst/>
-          </a:prstGeom>
-          <a:noFill/>
-        </p:spPr>
-        <p:txBody>
-          <a:bodyPr wrap="none" rtlCol="0">
-            <a:spAutoFit/>
-          </a:bodyPr>
-          <a:lstStyle/>
-          <a:p>
-            <a:r>
-              <a:rPr lang="en-US" sz="1200" dirty="0" smtClean="0"/>
-              <a:t>1=FV-1</a:t>
-            </a:r>
-          </a:p>
-          <a:p>
-            <a:r>
-              <a:rPr lang="en-US" sz="1200" dirty="0" smtClean="0"/>
-              <a:t>2=FV-2</a:t>
-            </a:r>
-          </a:p>
-          <a:p>
-            <a:r>
-              <a:rPr lang="en-US" sz="1200" dirty="0" smtClean="0"/>
-              <a:t>…</a:t>
-            </a:r>
-          </a:p>
-          <a:p>
-            <a:r>
-              <a:rPr lang="en-US" sz="1200" dirty="0" smtClean="0"/>
-              <a:t>5=FV-5</a:t>
             </a:r>
             <a:endParaRPr lang="en-US" sz="1200" dirty="0"/>
           </a:p>
